--- a/Project_Deliverables/Presentation Slides.pptx
+++ b/Project_Deliverables/Presentation Slides.pptx
@@ -10490,7 +10490,7 @@
         </p:blipFill>
         <p:spPr>
           <a:xfrm>
-            <a:off x="6963874" y="3145584"/>
+            <a:off x="6042895" y="3156458"/>
             <a:ext cx="590550" cy="369332"/>
           </a:xfrm>
           <a:prstGeom prst="rect">
@@ -10512,8 +10512,8 @@
         </p:nvSpPr>
         <p:spPr>
           <a:xfrm>
-            <a:off x="6532639" y="3541002"/>
-            <a:ext cx="1767376" cy="338554"/>
+            <a:off x="5676207" y="3544718"/>
+            <a:ext cx="1472306" cy="307777"/>
           </a:xfrm>
           <a:prstGeom prst="rect">
             <a:avLst/>
@@ -10527,7 +10527,7 @@
           <a:lstStyle/>
           <a:p>
             <a:r>
-              <a:rPr lang="en-US" sz="1600" dirty="0">
+              <a:rPr lang="en-US" dirty="0">
                 <a:latin typeface="Bahnschrift SemiBold SemiConden" panose="020B0502040204020203" pitchFamily="34" charset="0"/>
               </a:rPr>
               <a:t>Ikechukwu Daniel</a:t>
@@ -10587,7 +10587,7 @@
         </p:blipFill>
         <p:spPr>
           <a:xfrm>
-            <a:off x="6970224" y="4049534"/>
+            <a:off x="6042895" y="4018385"/>
             <a:ext cx="590550" cy="338555"/>
           </a:xfrm>
           <a:prstGeom prst="rect">
@@ -10609,7 +10609,7 @@
         </p:nvSpPr>
         <p:spPr>
           <a:xfrm>
-            <a:off x="6532639" y="4498658"/>
+            <a:off x="5544037" y="4396014"/>
             <a:ext cx="1604476" cy="338554"/>
           </a:xfrm>
           <a:prstGeom prst="rect">
@@ -10692,6 +10692,73 @@
           </a:prstGeom>
         </p:spPr>
       </p:pic>
+      <p:pic>
+        <p:nvPicPr>
+          <p:cNvPr id="24" name="Picture 23">
+            <a:extLst>
+              <a:ext uri="{FF2B5EF4-FFF2-40B4-BE49-F238E27FC236}">
+                <a16:creationId xmlns:a16="http://schemas.microsoft.com/office/drawing/2014/main" id="{BC7AF6DC-639F-4F75-857B-0584DCCFBA60}"/>
+              </a:ext>
+            </a:extLst>
+          </p:cNvPr>
+          <p:cNvPicPr>
+            <a:picLocks noChangeAspect="1"/>
+          </p:cNvPicPr>
+          <p:nvPr/>
+        </p:nvPicPr>
+        <p:blipFill>
+          <a:blip r:embed="rId5"/>
+          <a:stretch>
+            <a:fillRect/>
+          </a:stretch>
+        </p:blipFill>
+        <p:spPr>
+          <a:xfrm>
+            <a:off x="7819079" y="3157742"/>
+            <a:ext cx="590550" cy="338555"/>
+          </a:xfrm>
+          <a:prstGeom prst="rect">
+            <a:avLst/>
+          </a:prstGeom>
+        </p:spPr>
+      </p:pic>
+      <p:sp>
+        <p:nvSpPr>
+          <p:cNvPr id="25" name="TextBox 24">
+            <a:extLst>
+              <a:ext uri="{FF2B5EF4-FFF2-40B4-BE49-F238E27FC236}">
+                <a16:creationId xmlns:a16="http://schemas.microsoft.com/office/drawing/2014/main" id="{59736645-2CDF-4525-88C7-79DBDC817745}"/>
+              </a:ext>
+            </a:extLst>
+          </p:cNvPr>
+          <p:cNvSpPr txBox="1"/>
+          <p:nvPr/>
+        </p:nvSpPr>
+        <p:spPr>
+          <a:xfrm>
+            <a:off x="7362165" y="3502414"/>
+            <a:ext cx="1604476" cy="338554"/>
+          </a:xfrm>
+          <a:prstGeom prst="rect">
+            <a:avLst/>
+          </a:prstGeom>
+          <a:noFill/>
+        </p:spPr>
+        <p:txBody>
+          <a:bodyPr wrap="square" rtlCol="0">
+            <a:spAutoFit/>
+          </a:bodyPr>
+          <a:lstStyle/>
+          <a:p>
+            <a:r>
+              <a:rPr lang="en-US" sz="1600" dirty="0">
+                <a:latin typeface="Bahnschrift SemiBold SemiConden" panose="020B0502040204020203" pitchFamily="34" charset="0"/>
+              </a:rPr>
+              <a:t>Grace Emeruwa</a:t>
+            </a:r>
+          </a:p>
+        </p:txBody>
+      </p:sp>
     </p:spTree>
     <p:extLst>
       <p:ext uri="{BB962C8B-B14F-4D97-AF65-F5344CB8AC3E}">
